--- a/Updated_Baby+monitor+System_codeReview.pptx
+++ b/Updated_Baby+monitor+System_codeReview.pptx
@@ -5,7 +5,7 @@
     <p:sldMasterId id="2147483660" r:id="rId1"/>
   </p:sldMasterIdLst>
   <p:notesMasterIdLst>
-    <p:notesMasterId r:id="rId19"/>
+    <p:notesMasterId r:id="rId21"/>
   </p:notesMasterIdLst>
   <p:sldIdLst>
     <p:sldId id="256" r:id="rId2"/>
@@ -25,6 +25,8 @@
     <p:sldId id="290" r:id="rId16"/>
     <p:sldId id="283" r:id="rId17"/>
     <p:sldId id="289" r:id="rId18"/>
+    <p:sldId id="292" r:id="rId19"/>
+    <p:sldId id="293" r:id="rId20"/>
   </p:sldIdLst>
   <p:sldSz cx="12192000" cy="6858000"/>
   <p:notesSz cx="6858000" cy="9144000"/>
@@ -125,7 +127,7 @@
   </p:defaultTextStyle>
   <p:extLst>
     <p:ext uri="{EFAFB233-063F-42B5-8137-9DF3F51BA10A}">
-      <p15:sldGuideLst xmlns:p15="http://schemas.microsoft.com/office/powerpoint/2012/main" xmlns="">
+      <p15:sldGuideLst xmlns="" xmlns:p15="http://schemas.microsoft.com/office/powerpoint/2012/main">
         <p15:guide id="1" orient="horz" pos="2160">
           <p15:clr>
             <a:srgbClr val="A4A3A4"/>
@@ -11324,6 +11326,336 @@
 </p:sld>
 </file>
 
+<file path=ppt/slides/slide18.xml><?xml version="1.0" encoding="utf-8"?>
+<p:sld xmlns:a="http://schemas.openxmlformats.org/drawingml/2006/main" xmlns:r="http://schemas.openxmlformats.org/officeDocument/2006/relationships" xmlns:p="http://schemas.openxmlformats.org/presentationml/2006/main">
+  <p:cSld>
+    <p:spTree>
+      <p:nvGrpSpPr>
+        <p:cNvPr id="1" name=""/>
+        <p:cNvGrpSpPr/>
+        <p:nvPr/>
+      </p:nvGrpSpPr>
+      <p:grpSpPr>
+        <a:xfrm>
+          <a:off x="0" y="0"/>
+          <a:ext cx="0" cy="0"/>
+          <a:chOff x="0" y="0"/>
+          <a:chExt cx="0" cy="0"/>
+        </a:xfrm>
+      </p:grpSpPr>
+      <p:sp>
+        <p:nvSpPr>
+          <p:cNvPr id="2" name="Title 1"/>
+          <p:cNvSpPr>
+            <a:spLocks noGrp="1"/>
+          </p:cNvSpPr>
+          <p:nvPr>
+            <p:ph type="title"/>
+          </p:nvPr>
+        </p:nvSpPr>
+        <p:spPr>
+          <a:xfrm>
+            <a:off x="1824038" y="661342"/>
+            <a:ext cx="8610600" cy="1293028"/>
+          </a:xfrm>
+        </p:spPr>
+        <p:txBody>
+          <a:bodyPr/>
+          <a:lstStyle/>
+          <a:p>
+            <a:r>
+              <a:rPr lang="en-US" dirty="0" smtClean="0"/>
+              <a:t>Image Stream top level System Diagram</a:t>
+            </a:r>
+            <a:endParaRPr lang="en-US" dirty="0"/>
+          </a:p>
+        </p:txBody>
+      </p:sp>
+      <p:sp>
+        <p:nvSpPr>
+          <p:cNvPr id="5" name="TextBox 4"/>
+          <p:cNvSpPr txBox="1"/>
+          <p:nvPr/>
+        </p:nvSpPr>
+        <p:spPr>
+          <a:xfrm>
+            <a:off x="3278868" y="5523467"/>
+            <a:ext cx="4979762" cy="246221"/>
+          </a:xfrm>
+          <a:prstGeom prst="rect">
+            <a:avLst/>
+          </a:prstGeom>
+          <a:noFill/>
+        </p:spPr>
+        <p:txBody>
+          <a:bodyPr wrap="square" rtlCol="0">
+            <a:spAutoFit/>
+          </a:bodyPr>
+          <a:lstStyle/>
+          <a:p>
+            <a:r>
+              <a:rPr lang="en-US" sz="1000" b="1" dirty="0" smtClean="0"/>
+              <a:t>Figure 2: Image Stream Top Level System Diagram [</a:t>
+            </a:r>
+            <a:r>
+              <a:rPr lang="en-US" sz="1000" b="1" dirty="0" err="1" smtClean="0"/>
+              <a:t>Raditya</a:t>
+            </a:r>
+            <a:r>
+              <a:rPr lang="en-US" sz="1000" b="1" dirty="0" smtClean="0"/>
+              <a:t> </a:t>
+            </a:r>
+            <a:r>
+              <a:rPr lang="en-US" sz="1000" b="1" dirty="0" err="1" smtClean="0"/>
+              <a:t>Budianto</a:t>
+            </a:r>
+            <a:r>
+              <a:rPr lang="en-US" sz="1000" b="1" dirty="0" smtClean="0"/>
+              <a:t>]</a:t>
+            </a:r>
+            <a:endParaRPr lang="en-US" sz="1000" b="1" dirty="0"/>
+          </a:p>
+        </p:txBody>
+      </p:sp>
+      <p:pic>
+        <p:nvPicPr>
+          <p:cNvPr id="2053" name="Picture 5"/>
+          <p:cNvPicPr>
+            <a:picLocks noChangeAspect="1" noChangeArrowheads="1"/>
+          </p:cNvPicPr>
+          <p:nvPr/>
+        </p:nvPicPr>
+        <p:blipFill>
+          <a:blip r:embed="rId2">
+            <a:extLst>
+              <a:ext uri="{28A0092B-C50C-407E-A947-70E740481C1C}">
+                <a14:useLocalDpi xmlns:a14="http://schemas.microsoft.com/office/drawing/2010/main" val="0"/>
+              </a:ext>
+            </a:extLst>
+          </a:blip>
+          <a:srcRect/>
+          <a:stretch>
+            <a:fillRect/>
+          </a:stretch>
+        </p:blipFill>
+        <p:spPr bwMode="auto">
+          <a:xfrm>
+            <a:off x="1414462" y="2264456"/>
+            <a:ext cx="9361487" cy="2619375"/>
+          </a:xfrm>
+          <a:prstGeom prst="rect">
+            <a:avLst/>
+          </a:prstGeom>
+          <a:noFill/>
+          <a:ln>
+            <a:noFill/>
+          </a:ln>
+          <a:extLst>
+            <a:ext uri="{909E8E84-426E-40DD-AFC4-6F175D3DCCD1}">
+              <a14:hiddenFill xmlns:a14="http://schemas.microsoft.com/office/drawing/2010/main">
+                <a:solidFill>
+                  <a:schemeClr val="accent1"/>
+                </a:solidFill>
+              </a14:hiddenFill>
+            </a:ext>
+            <a:ext uri="{91240B29-F687-4F45-9708-019B960494DF}">
+              <a14:hiddenLine xmlns:a14="http://schemas.microsoft.com/office/drawing/2010/main" w="9525">
+                <a:solidFill>
+                  <a:schemeClr val="tx1"/>
+                </a:solidFill>
+                <a:miter lim="800000"/>
+                <a:headEnd/>
+                <a:tailEnd/>
+              </a14:hiddenLine>
+            </a:ext>
+          </a:extLst>
+        </p:spPr>
+      </p:pic>
+    </p:spTree>
+    <p:extLst>
+      <p:ext uri="{BB962C8B-B14F-4D97-AF65-F5344CB8AC3E}">
+        <p14:creationId xmlns:p14="http://schemas.microsoft.com/office/powerpoint/2010/main" val="2186200148"/>
+      </p:ext>
+    </p:extLst>
+  </p:cSld>
+  <p:clrMapOvr>
+    <a:masterClrMapping/>
+  </p:clrMapOvr>
+  <p:timing>
+    <p:tnLst>
+      <p:par>
+        <p:cTn id="1" dur="indefinite" restart="never" nodeType="tmRoot"/>
+      </p:par>
+    </p:tnLst>
+  </p:timing>
+</p:sld>
+</file>
+
+<file path=ppt/slides/slide19.xml><?xml version="1.0" encoding="utf-8"?>
+<p:sld xmlns:a="http://schemas.openxmlformats.org/drawingml/2006/main" xmlns:r="http://schemas.openxmlformats.org/officeDocument/2006/relationships" xmlns:p="http://schemas.openxmlformats.org/presentationml/2006/main">
+  <p:cSld>
+    <p:spTree>
+      <p:nvGrpSpPr>
+        <p:cNvPr id="1" name=""/>
+        <p:cNvGrpSpPr/>
+        <p:nvPr/>
+      </p:nvGrpSpPr>
+      <p:grpSpPr>
+        <a:xfrm>
+          <a:off x="0" y="0"/>
+          <a:ext cx="0" cy="0"/>
+          <a:chOff x="0" y="0"/>
+          <a:chExt cx="0" cy="0"/>
+        </a:xfrm>
+      </p:grpSpPr>
+      <p:sp>
+        <p:nvSpPr>
+          <p:cNvPr id="2" name="Title 1"/>
+          <p:cNvSpPr>
+            <a:spLocks noGrp="1"/>
+          </p:cNvSpPr>
+          <p:nvPr>
+            <p:ph type="title"/>
+          </p:nvPr>
+        </p:nvSpPr>
+        <p:spPr>
+          <a:xfrm>
+            <a:off x="3011714" y="194233"/>
+            <a:ext cx="8610600" cy="1293028"/>
+          </a:xfrm>
+        </p:spPr>
+        <p:txBody>
+          <a:bodyPr/>
+          <a:lstStyle/>
+          <a:p>
+            <a:r>
+              <a:rPr lang="en-US" dirty="0" smtClean="0"/>
+              <a:t>Software Level System Diagram</a:t>
+            </a:r>
+            <a:endParaRPr lang="en-US" dirty="0"/>
+          </a:p>
+        </p:txBody>
+      </p:sp>
+      <p:pic>
+        <p:nvPicPr>
+          <p:cNvPr id="1026" name="Picture 2"/>
+          <p:cNvPicPr>
+            <a:picLocks noChangeAspect="1" noChangeArrowheads="1"/>
+          </p:cNvPicPr>
+          <p:nvPr/>
+        </p:nvPicPr>
+        <p:blipFill>
+          <a:blip r:embed="rId2">
+            <a:extLst>
+              <a:ext uri="{28A0092B-C50C-407E-A947-70E740481C1C}">
+                <a14:useLocalDpi xmlns:a14="http://schemas.microsoft.com/office/drawing/2010/main" val="0"/>
+              </a:ext>
+            </a:extLst>
+          </a:blip>
+          <a:srcRect/>
+          <a:stretch>
+            <a:fillRect/>
+          </a:stretch>
+        </p:blipFill>
+        <p:spPr bwMode="auto">
+          <a:xfrm>
+            <a:off x="1163410" y="1487261"/>
+            <a:ext cx="10039350" cy="4667250"/>
+          </a:xfrm>
+          <a:prstGeom prst="rect">
+            <a:avLst/>
+          </a:prstGeom>
+          <a:noFill/>
+          <a:ln>
+            <a:noFill/>
+          </a:ln>
+          <a:extLst>
+            <a:ext uri="{909E8E84-426E-40DD-AFC4-6F175D3DCCD1}">
+              <a14:hiddenFill xmlns:a14="http://schemas.microsoft.com/office/drawing/2010/main">
+                <a:solidFill>
+                  <a:schemeClr val="accent1"/>
+                </a:solidFill>
+              </a14:hiddenFill>
+            </a:ext>
+            <a:ext uri="{91240B29-F687-4F45-9708-019B960494DF}">
+              <a14:hiddenLine xmlns:a14="http://schemas.microsoft.com/office/drawing/2010/main" w="9525">
+                <a:solidFill>
+                  <a:schemeClr val="tx1"/>
+                </a:solidFill>
+                <a:miter lim="800000"/>
+                <a:headEnd/>
+                <a:tailEnd/>
+              </a14:hiddenLine>
+            </a:ext>
+          </a:extLst>
+        </p:spPr>
+      </p:pic>
+      <p:sp>
+        <p:nvSpPr>
+          <p:cNvPr id="5" name="TextBox 4"/>
+          <p:cNvSpPr txBox="1"/>
+          <p:nvPr/>
+        </p:nvSpPr>
+        <p:spPr>
+          <a:xfrm>
+            <a:off x="3693204" y="6288326"/>
+            <a:ext cx="4979762" cy="246221"/>
+          </a:xfrm>
+          <a:prstGeom prst="rect">
+            <a:avLst/>
+          </a:prstGeom>
+          <a:noFill/>
+        </p:spPr>
+        <p:txBody>
+          <a:bodyPr wrap="square" rtlCol="0">
+            <a:spAutoFit/>
+          </a:bodyPr>
+          <a:lstStyle/>
+          <a:p>
+            <a:r>
+              <a:rPr lang="en-US" sz="1000" b="1" dirty="0" smtClean="0"/>
+              <a:t>Figure 3: Software Level System Diagram [</a:t>
+            </a:r>
+            <a:r>
+              <a:rPr lang="en-US" sz="1000" b="1" dirty="0" err="1" smtClean="0"/>
+              <a:t>Raditya</a:t>
+            </a:r>
+            <a:r>
+              <a:rPr lang="en-US" sz="1000" b="1" dirty="0" smtClean="0"/>
+              <a:t> </a:t>
+            </a:r>
+            <a:r>
+              <a:rPr lang="en-US" sz="1000" b="1" dirty="0" err="1" smtClean="0"/>
+              <a:t>Budianto</a:t>
+            </a:r>
+            <a:r>
+              <a:rPr lang="en-US" sz="1000" b="1" dirty="0" smtClean="0"/>
+              <a:t>]</a:t>
+            </a:r>
+            <a:endParaRPr lang="en-US" sz="1000" b="1" dirty="0"/>
+          </a:p>
+        </p:txBody>
+      </p:sp>
+    </p:spTree>
+    <p:extLst>
+      <p:ext uri="{BB962C8B-B14F-4D97-AF65-F5344CB8AC3E}">
+        <p14:creationId xmlns:p14="http://schemas.microsoft.com/office/powerpoint/2010/main" val="449776558"/>
+      </p:ext>
+    </p:extLst>
+  </p:cSld>
+  <p:clrMapOvr>
+    <a:masterClrMapping/>
+  </p:clrMapOvr>
+  <p:timing>
+    <p:tnLst>
+      <p:par>
+        <p:cTn id="1" dur="indefinite" restart="never" nodeType="tmRoot"/>
+      </p:par>
+    </p:tnLst>
+  </p:timing>
+</p:sld>
+</file>
+
 <file path=ppt/slides/slide2.xml><?xml version="1.0" encoding="utf-8"?>
 <p:sld xmlns:a="http://schemas.openxmlformats.org/drawingml/2006/main" xmlns:r="http://schemas.openxmlformats.org/officeDocument/2006/relationships" xmlns:p="http://schemas.openxmlformats.org/presentationml/2006/main">
   <p:cSld>
@@ -13310,7 +13642,7 @@
         </p:nvGraphicFramePr>
         <p:xfrm>
           <a:off x="630195" y="914402"/>
-          <a:ext cx="10849231" cy="5590276"/>
+          <a:ext cx="10849231" cy="5615549"/>
         </p:xfrm>
         <a:graphic>
           <a:graphicData uri="http://schemas.openxmlformats.org/drawingml/2006/table">
@@ -16731,7 +17063,7 @@
   <a:extraClrSchemeLst/>
   <a:extLst>
     <a:ext uri="{05A4C25C-085E-4340-85A3-A5531E510DB2}">
-      <thm15:themeFamily xmlns:thm15="http://schemas.microsoft.com/office/thememl/2012/main" xmlns="" name="Vapor Trail" id="{4FDF2955-7D9C-493C-B9F9-C205151B46CD}" vid="{8F31A783-2159-4870-BC29-2BA7D038EA44}"/>
+      <thm15:themeFamily xmlns="" xmlns:thm15="http://schemas.microsoft.com/office/thememl/2012/main" name="Vapor Trail" id="{4FDF2955-7D9C-493C-B9F9-C205151B46CD}" vid="{8F31A783-2159-4870-BC29-2BA7D038EA44}"/>
     </a:ext>
   </a:extLst>
 </a:theme>
@@ -16992,7 +17324,7 @@
   <a:extraClrSchemeLst/>
   <a:extLst>
     <a:ext uri="{05A4C25C-085E-4340-85A3-A5531E510DB2}">
-      <thm15:themeFamily xmlns:thm15="http://schemas.microsoft.com/office/thememl/2012/main" xmlns="" name="Office Theme" id="{62F939B6-93AF-4DB8-9C6B-D6C7DFDC589F}" vid="{4A3C46E8-61CC-4603-A589-7422A47A8E4A}"/>
+      <thm15:themeFamily xmlns="" xmlns:thm15="http://schemas.microsoft.com/office/thememl/2012/main" name="Office Theme" id="{62F939B6-93AF-4DB8-9C6B-D6C7DFDC589F}" vid="{4A3C46E8-61CC-4603-A589-7422A47A8E4A}"/>
     </a:ext>
   </a:extLst>
 </a:theme>
